--- a/en/ProgrammingLessons/beginner/FinalChallenge.pptx
+++ b/en/ProgrammingLessons/beginner/FinalChallenge.pptx
@@ -218,7 +218,7 @@
           <a:p>
             <a:fld id="{F8D9B3D7-15CB-9343-AA49-EFB5A8F33F18}" type="datetimeFigureOut">
               <a:rPr lang="en-US" smtClean="0"/>
-              <a:t>7/19/16</a:t>
+              <a:t>10/3/18</a:t>
             </a:fld>
             <a:endParaRPr lang="en-US"/>
           </a:p>
@@ -384,7 +384,7 @@
           <a:p>
             <a:fld id="{FD3EFF1E-85A1-6640-AFB9-C38833E80A84}" type="datetimeFigureOut">
               <a:rPr lang="en-US" smtClean="0"/>
-              <a:t>7/19/16</a:t>
+              <a:t>10/3/18</a:t>
             </a:fld>
             <a:endParaRPr lang="en-US"/>
           </a:p>
@@ -448,38 +448,37 @@
           <a:p>
             <a:pPr lvl="0"/>
             <a:r>
-              <a:rPr lang="en-US" smtClean="0"/>
+              <a:rPr lang="en-US"/>
               <a:t>Click to edit Master text styles</a:t>
             </a:r>
           </a:p>
           <a:p>
             <a:pPr lvl="1"/>
             <a:r>
-              <a:rPr lang="en-US" smtClean="0"/>
+              <a:rPr lang="en-US"/>
               <a:t>Second level</a:t>
             </a:r>
           </a:p>
           <a:p>
             <a:pPr lvl="2"/>
             <a:r>
-              <a:rPr lang="en-US" smtClean="0"/>
+              <a:rPr lang="en-US"/>
               <a:t>Third level</a:t>
             </a:r>
           </a:p>
           <a:p>
             <a:pPr lvl="3"/>
             <a:r>
-              <a:rPr lang="en-US" smtClean="0"/>
+              <a:rPr lang="en-US"/>
               <a:t>Fourth level</a:t>
             </a:r>
           </a:p>
           <a:p>
             <a:pPr lvl="4"/>
             <a:r>
-              <a:rPr lang="en-US" smtClean="0"/>
+              <a:rPr lang="en-US"/>
               <a:t>Fifth level</a:t>
             </a:r>
-            <a:endParaRPr lang="en-US"/>
           </a:p>
         </p:txBody>
       </p:sp>
@@ -949,7 +948,7 @@
           </a:lstStyle>
           <a:p>
             <a:r>
-              <a:rPr lang="en-US" smtClean="0"/>
+              <a:rPr lang="en-US"/>
               <a:t>Click to edit Master subtitle style</a:t>
             </a:r>
             <a:endParaRPr lang="en-US" dirty="0"/>
@@ -973,7 +972,7 @@
           <a:p>
             <a:fld id="{81304DA8-91BE-D84F-BC70-CF43F3D9CF36}" type="datetime1">
               <a:rPr lang="en-US" smtClean="0"/>
-              <a:t>7/19/16</a:t>
+              <a:t>10/3/18</a:t>
             </a:fld>
             <a:endParaRPr lang="en-US"/>
           </a:p>
@@ -1000,10 +999,9 @@
           <a:lstStyle/>
           <a:p>
             <a:r>
-              <a:rPr lang="en-US" smtClean="0"/>
+              <a:rPr lang="en-US"/>
               <a:t>© EV3Lessons.com, 2016, (Last edit: 7/04/2016)</a:t>
             </a:r>
-            <a:endParaRPr lang="en-US"/>
           </a:p>
         </p:txBody>
       </p:sp>
@@ -1192,7 +1190,7 @@
           <a:noFill/>
           <a:extLst>
             <a:ext uri="{909E8E84-426E-40dd-AFC4-6F175D3DCCD1}">
-              <a14:hiddenFill xmlns="" xmlns:a14="http://schemas.microsoft.com/office/drawing/2010/main">
+              <a14:hiddenFill xmlns:a14="http://schemas.microsoft.com/office/drawing/2010/main" xmlns="">
                 <a:solidFill>
                   <a:srgbClr val="FFFFFF"/>
                 </a:solidFill>
@@ -1229,10 +1227,9 @@
           <a:p>
             <a:pPr algn="ctr"/>
             <a:r>
-              <a:rPr lang="en-US" sz="3200" dirty="0" smtClean="0"/>
+              <a:rPr lang="en-US" sz="3200" dirty="0"/>
               <a:t>BEGINNER PROGRAMMING LESSON</a:t>
             </a:r>
-            <a:endParaRPr lang="en-US" sz="3200" dirty="0"/>
           </a:p>
         </p:txBody>
       </p:sp>
@@ -1260,11 +1257,11 @@
           <a:p>
             <a:pPr algn="ctr"/>
             <a:r>
-              <a:rPr lang="en-US" dirty="0" smtClean="0"/>
+              <a:rPr lang="en-US" dirty="0"/>
               <a:t>By Sanjay and Arvind </a:t>
             </a:r>
             <a:r>
-              <a:rPr lang="en-US" dirty="0" err="1" smtClean="0"/>
+              <a:rPr lang="en-US" dirty="0" err="1"/>
               <a:t>Seshan</a:t>
             </a:r>
             <a:endParaRPr lang="en-US" dirty="0"/>
@@ -1698,13 +1695,6 @@
   <p:clrMapOvr>
     <a:masterClrMapping/>
   </p:clrMapOvr>
-  <p:timing>
-    <p:tnLst>
-      <p:par>
-        <p:cTn id="1" dur="indefinite" restart="never" nodeType="tmRoot"/>
-      </p:par>
-    </p:tnLst>
-  </p:timing>
 </p:sldLayout>
 </file>
 
@@ -1741,10 +1731,9 @@
           <a:lstStyle/>
           <a:p>
             <a:r>
-              <a:rPr lang="en-US" smtClean="0"/>
+              <a:rPr lang="en-US"/>
               <a:t>Click to edit Master title style</a:t>
             </a:r>
-            <a:endParaRPr lang="en-US"/>
           </a:p>
         </p:txBody>
       </p:sp>
@@ -1765,38 +1754,37 @@
           <a:p>
             <a:pPr lvl="0"/>
             <a:r>
-              <a:rPr lang="en-US" smtClean="0"/>
+              <a:rPr lang="en-US"/>
               <a:t>Click to edit Master text styles</a:t>
             </a:r>
           </a:p>
           <a:p>
             <a:pPr lvl="1"/>
             <a:r>
-              <a:rPr lang="en-US" smtClean="0"/>
+              <a:rPr lang="en-US"/>
               <a:t>Second level</a:t>
             </a:r>
           </a:p>
           <a:p>
             <a:pPr lvl="2"/>
             <a:r>
-              <a:rPr lang="en-US" smtClean="0"/>
+              <a:rPr lang="en-US"/>
               <a:t>Third level</a:t>
             </a:r>
           </a:p>
           <a:p>
             <a:pPr lvl="3"/>
             <a:r>
-              <a:rPr lang="en-US" smtClean="0"/>
+              <a:rPr lang="en-US"/>
               <a:t>Fourth level</a:t>
             </a:r>
           </a:p>
           <a:p>
             <a:pPr lvl="4"/>
             <a:r>
-              <a:rPr lang="en-US" smtClean="0"/>
+              <a:rPr lang="en-US"/>
               <a:t>Fifth level</a:t>
             </a:r>
-            <a:endParaRPr lang="en-US"/>
           </a:p>
         </p:txBody>
       </p:sp>
@@ -1817,7 +1805,7 @@
           <a:p>
             <a:fld id="{CD1A5814-EB5C-5C43-8893-E3A1E466D3A0}" type="datetime1">
               <a:rPr lang="en-US" smtClean="0"/>
-              <a:t>7/19/16</a:t>
+              <a:t>10/3/18</a:t>
             </a:fld>
             <a:endParaRPr lang="en-US"/>
           </a:p>
@@ -1839,10 +1827,9 @@
           <a:lstStyle/>
           <a:p>
             <a:r>
-              <a:rPr lang="en-US" smtClean="0"/>
+              <a:rPr lang="en-US"/>
               <a:t>© EV3Lessons.com, 2016, (Last edit: 7/04/2016)</a:t>
             </a:r>
-            <a:endParaRPr lang="en-US"/>
           </a:p>
         </p:txBody>
       </p:sp>
@@ -1928,10 +1915,9 @@
           <a:lstStyle/>
           <a:p>
             <a:r>
-              <a:rPr lang="en-US" smtClean="0"/>
+              <a:rPr lang="en-US"/>
               <a:t>Click to edit Master title style</a:t>
             </a:r>
-            <a:endParaRPr lang="en-US"/>
           </a:p>
         </p:txBody>
       </p:sp>
@@ -1957,38 +1943,37 @@
           <a:p>
             <a:pPr lvl="0"/>
             <a:r>
-              <a:rPr lang="en-US" smtClean="0"/>
+              <a:rPr lang="en-US"/>
               <a:t>Click to edit Master text styles</a:t>
             </a:r>
           </a:p>
           <a:p>
             <a:pPr lvl="1"/>
             <a:r>
-              <a:rPr lang="en-US" smtClean="0"/>
+              <a:rPr lang="en-US"/>
               <a:t>Second level</a:t>
             </a:r>
           </a:p>
           <a:p>
             <a:pPr lvl="2"/>
             <a:r>
-              <a:rPr lang="en-US" smtClean="0"/>
+              <a:rPr lang="en-US"/>
               <a:t>Third level</a:t>
             </a:r>
           </a:p>
           <a:p>
             <a:pPr lvl="3"/>
             <a:r>
-              <a:rPr lang="en-US" smtClean="0"/>
+              <a:rPr lang="en-US"/>
               <a:t>Fourth level</a:t>
             </a:r>
           </a:p>
           <a:p>
             <a:pPr lvl="4"/>
             <a:r>
-              <a:rPr lang="en-US" smtClean="0"/>
+              <a:rPr lang="en-US"/>
               <a:t>Fifth level</a:t>
             </a:r>
-            <a:endParaRPr lang="en-US"/>
           </a:p>
         </p:txBody>
       </p:sp>
@@ -2009,7 +1994,7 @@
           <a:p>
             <a:fld id="{74C6241F-BC3C-2D49-96A4-7629CBD53E4A}" type="datetime1">
               <a:rPr lang="en-US" smtClean="0"/>
-              <a:t>7/19/16</a:t>
+              <a:t>10/3/18</a:t>
             </a:fld>
             <a:endParaRPr lang="en-US"/>
           </a:p>
@@ -2031,10 +2016,9 @@
           <a:lstStyle/>
           <a:p>
             <a:r>
-              <a:rPr lang="en-US" smtClean="0"/>
+              <a:rPr lang="en-US"/>
               <a:t>© EV3Lessons.com, 2016, (Last edit: 7/04/2016)</a:t>
             </a:r>
-            <a:endParaRPr lang="en-US"/>
           </a:p>
         </p:txBody>
       </p:sp>
@@ -2124,10 +2108,9 @@
           </a:lstStyle>
           <a:p>
             <a:r>
-              <a:rPr lang="en-US" smtClean="0"/>
+              <a:rPr lang="en-US"/>
               <a:t>Click to edit Master title style</a:t>
             </a:r>
-            <a:endParaRPr lang="en-US"/>
           </a:p>
         </p:txBody>
       </p:sp>
@@ -2189,10 +2172,9 @@
           </a:lstStyle>
           <a:p>
             <a:r>
-              <a:rPr lang="en-US" smtClean="0"/>
+              <a:rPr lang="en-US"/>
               <a:t>Click to edit Master subtitle style</a:t>
             </a:r>
-            <a:endParaRPr lang="en-US"/>
           </a:p>
         </p:txBody>
       </p:sp>
@@ -2213,7 +2195,7 @@
           <a:p>
             <a:fld id="{361BA138-36EF-EB49-B244-DC7F7EB12E8E}" type="datetime1">
               <a:rPr lang="en-US" smtClean="0"/>
-              <a:t>7/19/16</a:t>
+              <a:t>10/3/18</a:t>
             </a:fld>
             <a:endParaRPr lang="en-US"/>
           </a:p>
@@ -2235,10 +2217,9 @@
           <a:lstStyle/>
           <a:p>
             <a:r>
-              <a:rPr lang="en-US" smtClean="0"/>
+              <a:rPr lang="en-US"/>
               <a:t>© EV3Lessons.com, 2016, (Last edit: 7/04/2016)</a:t>
             </a:r>
-            <a:endParaRPr lang="en-US"/>
           </a:p>
         </p:txBody>
       </p:sp>
@@ -2311,10 +2292,9 @@
           <a:lstStyle/>
           <a:p>
             <a:r>
-              <a:rPr lang="en-US" smtClean="0"/>
+              <a:rPr lang="en-US"/>
               <a:t>Click to edit Master title style</a:t>
             </a:r>
-            <a:endParaRPr lang="en-US"/>
           </a:p>
         </p:txBody>
       </p:sp>
@@ -2335,38 +2315,37 @@
           <a:p>
             <a:pPr lvl="0"/>
             <a:r>
-              <a:rPr lang="en-US" smtClean="0"/>
+              <a:rPr lang="en-US"/>
               <a:t>Click to edit Master text styles</a:t>
             </a:r>
           </a:p>
           <a:p>
             <a:pPr lvl="1"/>
             <a:r>
-              <a:rPr lang="en-US" smtClean="0"/>
+              <a:rPr lang="en-US"/>
               <a:t>Second level</a:t>
             </a:r>
           </a:p>
           <a:p>
             <a:pPr lvl="2"/>
             <a:r>
-              <a:rPr lang="en-US" smtClean="0"/>
+              <a:rPr lang="en-US"/>
               <a:t>Third level</a:t>
             </a:r>
           </a:p>
           <a:p>
             <a:pPr lvl="3"/>
             <a:r>
-              <a:rPr lang="en-US" smtClean="0"/>
+              <a:rPr lang="en-US"/>
               <a:t>Fourth level</a:t>
             </a:r>
           </a:p>
           <a:p>
             <a:pPr lvl="4"/>
             <a:r>
-              <a:rPr lang="en-US" smtClean="0"/>
+              <a:rPr lang="en-US"/>
               <a:t>Fifth level</a:t>
             </a:r>
-            <a:endParaRPr lang="en-US"/>
           </a:p>
         </p:txBody>
       </p:sp>
@@ -2387,7 +2366,7 @@
           <a:p>
             <a:fld id="{42258BE9-0262-064A-B226-10710A049D36}" type="datetime1">
               <a:rPr lang="en-US" smtClean="0"/>
-              <a:t>7/19/16</a:t>
+              <a:t>10/3/18</a:t>
             </a:fld>
             <a:endParaRPr lang="en-US"/>
           </a:p>
@@ -2409,10 +2388,9 @@
           <a:lstStyle/>
           <a:p>
             <a:r>
-              <a:rPr lang="en-US" smtClean="0"/>
+              <a:rPr lang="en-US"/>
               <a:t>© EV3Lessons.com, 2016, (Last edit: 7/04/2016)</a:t>
             </a:r>
-            <a:endParaRPr lang="en-US"/>
           </a:p>
         </p:txBody>
       </p:sp>
@@ -2494,10 +2472,9 @@
           </a:lstStyle>
           <a:p>
             <a:r>
-              <a:rPr lang="en-US" smtClean="0"/>
+              <a:rPr lang="en-US"/>
               <a:t>Click to edit Master title style</a:t>
             </a:r>
-            <a:endParaRPr lang="en-US"/>
           </a:p>
         </p:txBody>
       </p:sp>
@@ -2614,7 +2591,7 @@
           <a:p>
             <a:pPr lvl="0"/>
             <a:r>
-              <a:rPr lang="en-US" smtClean="0"/>
+              <a:rPr lang="en-US"/>
               <a:t>Click to edit Master text styles</a:t>
             </a:r>
           </a:p>
@@ -2637,7 +2614,7 @@
           <a:p>
             <a:fld id="{3CE214CE-5CD9-7748-B7E2-9EB59D6E682B}" type="datetime1">
               <a:rPr lang="en-US" smtClean="0"/>
-              <a:t>7/19/16</a:t>
+              <a:t>10/3/18</a:t>
             </a:fld>
             <a:endParaRPr lang="en-US"/>
           </a:p>
@@ -2659,10 +2636,9 @@
           <a:lstStyle/>
           <a:p>
             <a:r>
-              <a:rPr lang="en-US" smtClean="0"/>
+              <a:rPr lang="en-US"/>
               <a:t>© EV3Lessons.com, 2016, (Last edit: 7/04/2016)</a:t>
             </a:r>
-            <a:endParaRPr lang="en-US"/>
           </a:p>
         </p:txBody>
       </p:sp>
@@ -2735,10 +2711,9 @@
           <a:lstStyle/>
           <a:p>
             <a:r>
-              <a:rPr lang="en-US" smtClean="0"/>
+              <a:rPr lang="en-US"/>
               <a:t>Click to edit Master title style</a:t>
             </a:r>
-            <a:endParaRPr lang="en-US"/>
           </a:p>
         </p:txBody>
       </p:sp>
@@ -2764,38 +2739,37 @@
           <a:p>
             <a:pPr lvl="0"/>
             <a:r>
-              <a:rPr lang="en-US" smtClean="0"/>
+              <a:rPr lang="en-US"/>
               <a:t>Click to edit Master text styles</a:t>
             </a:r>
           </a:p>
           <a:p>
             <a:pPr lvl="1"/>
             <a:r>
-              <a:rPr lang="en-US" smtClean="0"/>
+              <a:rPr lang="en-US"/>
               <a:t>Second level</a:t>
             </a:r>
           </a:p>
           <a:p>
             <a:pPr lvl="2"/>
             <a:r>
-              <a:rPr lang="en-US" smtClean="0"/>
+              <a:rPr lang="en-US"/>
               <a:t>Third level</a:t>
             </a:r>
           </a:p>
           <a:p>
             <a:pPr lvl="3"/>
             <a:r>
-              <a:rPr lang="en-US" smtClean="0"/>
+              <a:rPr lang="en-US"/>
               <a:t>Fourth level</a:t>
             </a:r>
           </a:p>
           <a:p>
             <a:pPr lvl="4"/>
             <a:r>
-              <a:rPr lang="en-US" smtClean="0"/>
+              <a:rPr lang="en-US"/>
               <a:t>Fifth level</a:t>
             </a:r>
-            <a:endParaRPr lang="en-US"/>
           </a:p>
         </p:txBody>
       </p:sp>
@@ -2821,38 +2795,37 @@
           <a:p>
             <a:pPr lvl="0"/>
             <a:r>
-              <a:rPr lang="en-US" smtClean="0"/>
+              <a:rPr lang="en-US"/>
               <a:t>Click to edit Master text styles</a:t>
             </a:r>
           </a:p>
           <a:p>
             <a:pPr lvl="1"/>
             <a:r>
-              <a:rPr lang="en-US" smtClean="0"/>
+              <a:rPr lang="en-US"/>
               <a:t>Second level</a:t>
             </a:r>
           </a:p>
           <a:p>
             <a:pPr lvl="2"/>
             <a:r>
-              <a:rPr lang="en-US" smtClean="0"/>
+              <a:rPr lang="en-US"/>
               <a:t>Third level</a:t>
             </a:r>
           </a:p>
           <a:p>
             <a:pPr lvl="3"/>
             <a:r>
-              <a:rPr lang="en-US" smtClean="0"/>
+              <a:rPr lang="en-US"/>
               <a:t>Fourth level</a:t>
             </a:r>
           </a:p>
           <a:p>
             <a:pPr lvl="4"/>
             <a:r>
-              <a:rPr lang="en-US" smtClean="0"/>
+              <a:rPr lang="en-US"/>
               <a:t>Fifth level</a:t>
             </a:r>
-            <a:endParaRPr lang="en-US"/>
           </a:p>
         </p:txBody>
       </p:sp>
@@ -2873,7 +2846,7 @@
           <a:p>
             <a:fld id="{0311AD66-07C7-7846-BD7D-06164D63E6C5}" type="datetime1">
               <a:rPr lang="en-US" smtClean="0"/>
-              <a:t>7/19/16</a:t>
+              <a:t>10/3/18</a:t>
             </a:fld>
             <a:endParaRPr lang="en-US"/>
           </a:p>
@@ -2895,10 +2868,9 @@
           <a:lstStyle/>
           <a:p>
             <a:r>
-              <a:rPr lang="en-US" smtClean="0"/>
+              <a:rPr lang="en-US"/>
               <a:t>© EV3Lessons.com, 2016, (Last edit: 7/04/2016)</a:t>
             </a:r>
-            <a:endParaRPr lang="en-US"/>
           </a:p>
         </p:txBody>
       </p:sp>
@@ -2976,10 +2948,9 @@
           <a:lstStyle/>
           <a:p>
             <a:r>
-              <a:rPr lang="en-US" smtClean="0"/>
+              <a:rPr lang="en-US"/>
               <a:t>Click to edit Master title style</a:t>
             </a:r>
-            <a:endParaRPr lang="en-US"/>
           </a:p>
         </p:txBody>
       </p:sp>
@@ -3042,7 +3013,7 @@
           <a:p>
             <a:pPr lvl="0"/>
             <a:r>
-              <a:rPr lang="en-US" smtClean="0"/>
+              <a:rPr lang="en-US"/>
               <a:t>Click to edit Master text styles</a:t>
             </a:r>
           </a:p>
@@ -3070,38 +3041,37 @@
           <a:p>
             <a:pPr lvl="0"/>
             <a:r>
-              <a:rPr lang="en-US" smtClean="0"/>
+              <a:rPr lang="en-US"/>
               <a:t>Click to edit Master text styles</a:t>
             </a:r>
           </a:p>
           <a:p>
             <a:pPr lvl="1"/>
             <a:r>
-              <a:rPr lang="en-US" smtClean="0"/>
+              <a:rPr lang="en-US"/>
               <a:t>Second level</a:t>
             </a:r>
           </a:p>
           <a:p>
             <a:pPr lvl="2"/>
             <a:r>
-              <a:rPr lang="en-US" smtClean="0"/>
+              <a:rPr lang="en-US"/>
               <a:t>Third level</a:t>
             </a:r>
           </a:p>
           <a:p>
             <a:pPr lvl="3"/>
             <a:r>
-              <a:rPr lang="en-US" smtClean="0"/>
+              <a:rPr lang="en-US"/>
               <a:t>Fourth level</a:t>
             </a:r>
           </a:p>
           <a:p>
             <a:pPr lvl="4"/>
             <a:r>
-              <a:rPr lang="en-US" smtClean="0"/>
+              <a:rPr lang="en-US"/>
               <a:t>Fifth level</a:t>
             </a:r>
-            <a:endParaRPr lang="en-US"/>
           </a:p>
         </p:txBody>
       </p:sp>
@@ -3164,7 +3134,7 @@
           <a:p>
             <a:pPr lvl="0"/>
             <a:r>
-              <a:rPr lang="en-US" smtClean="0"/>
+              <a:rPr lang="en-US"/>
               <a:t>Click to edit Master text styles</a:t>
             </a:r>
           </a:p>
@@ -3192,38 +3162,37 @@
           <a:p>
             <a:pPr lvl="0"/>
             <a:r>
-              <a:rPr lang="en-US" smtClean="0"/>
+              <a:rPr lang="en-US"/>
               <a:t>Click to edit Master text styles</a:t>
             </a:r>
           </a:p>
           <a:p>
             <a:pPr lvl="1"/>
             <a:r>
-              <a:rPr lang="en-US" smtClean="0"/>
+              <a:rPr lang="en-US"/>
               <a:t>Second level</a:t>
             </a:r>
           </a:p>
           <a:p>
             <a:pPr lvl="2"/>
             <a:r>
-              <a:rPr lang="en-US" smtClean="0"/>
+              <a:rPr lang="en-US"/>
               <a:t>Third level</a:t>
             </a:r>
           </a:p>
           <a:p>
             <a:pPr lvl="3"/>
             <a:r>
-              <a:rPr lang="en-US" smtClean="0"/>
+              <a:rPr lang="en-US"/>
               <a:t>Fourth level</a:t>
             </a:r>
           </a:p>
           <a:p>
             <a:pPr lvl="4"/>
             <a:r>
-              <a:rPr lang="en-US" smtClean="0"/>
+              <a:rPr lang="en-US"/>
               <a:t>Fifth level</a:t>
             </a:r>
-            <a:endParaRPr lang="en-US"/>
           </a:p>
         </p:txBody>
       </p:sp>
@@ -3244,7 +3213,7 @@
           <a:p>
             <a:fld id="{C7590DDF-86FE-EB42-BEC9-3B5CC66C661A}" type="datetime1">
               <a:rPr lang="en-US" smtClean="0"/>
-              <a:t>7/19/16</a:t>
+              <a:t>10/3/18</a:t>
             </a:fld>
             <a:endParaRPr lang="en-US"/>
           </a:p>
@@ -3266,10 +3235,9 @@
           <a:lstStyle/>
           <a:p>
             <a:r>
-              <a:rPr lang="en-US" smtClean="0"/>
+              <a:rPr lang="en-US"/>
               <a:t>© EV3Lessons.com, 2016, (Last edit: 7/04/2016)</a:t>
             </a:r>
-            <a:endParaRPr lang="en-US"/>
           </a:p>
         </p:txBody>
       </p:sp>
@@ -3342,10 +3310,9 @@
           <a:lstStyle/>
           <a:p>
             <a:r>
-              <a:rPr lang="en-US" smtClean="0"/>
+              <a:rPr lang="en-US"/>
               <a:t>Click to edit Master title style</a:t>
             </a:r>
-            <a:endParaRPr lang="en-US"/>
           </a:p>
         </p:txBody>
       </p:sp>
@@ -3366,7 +3333,7 @@
           <a:p>
             <a:fld id="{871A44A7-58F8-574B-9177-DF89F5712002}" type="datetime1">
               <a:rPr lang="en-US" smtClean="0"/>
-              <a:t>7/19/16</a:t>
+              <a:t>10/3/18</a:t>
             </a:fld>
             <a:endParaRPr lang="en-US"/>
           </a:p>
@@ -3388,10 +3355,9 @@
           <a:lstStyle/>
           <a:p>
             <a:r>
-              <a:rPr lang="en-US" smtClean="0"/>
+              <a:rPr lang="en-US"/>
               <a:t>© EV3Lessons.com, 2016, (Last edit: 7/04/2016)</a:t>
             </a:r>
-            <a:endParaRPr lang="en-US"/>
           </a:p>
         </p:txBody>
       </p:sp>
@@ -3465,7 +3431,7 @@
           <a:p>
             <a:fld id="{463E8BD3-5D28-B748-8169-60ADEC58A485}" type="datetime1">
               <a:rPr lang="en-US" smtClean="0"/>
-              <a:t>7/19/16</a:t>
+              <a:t>10/3/18</a:t>
             </a:fld>
             <a:endParaRPr lang="en-US"/>
           </a:p>
@@ -3487,10 +3453,9 @@
           <a:lstStyle/>
           <a:p>
             <a:r>
-              <a:rPr lang="en-US" smtClean="0"/>
+              <a:rPr lang="en-US"/>
               <a:t>© EV3Lessons.com, 2016, (Last edit: 7/04/2016)</a:t>
             </a:r>
-            <a:endParaRPr lang="en-US"/>
           </a:p>
         </p:txBody>
       </p:sp>
@@ -3572,10 +3537,9 @@
           </a:lstStyle>
           <a:p>
             <a:r>
-              <a:rPr lang="en-US" smtClean="0"/>
+              <a:rPr lang="en-US"/>
               <a:t>Click to edit Master title style</a:t>
             </a:r>
-            <a:endParaRPr lang="en-US"/>
           </a:p>
         </p:txBody>
       </p:sp>
@@ -3629,38 +3593,37 @@
           <a:p>
             <a:pPr lvl="0"/>
             <a:r>
-              <a:rPr lang="en-US" smtClean="0"/>
+              <a:rPr lang="en-US"/>
               <a:t>Click to edit Master text styles</a:t>
             </a:r>
           </a:p>
           <a:p>
             <a:pPr lvl="1"/>
             <a:r>
-              <a:rPr lang="en-US" smtClean="0"/>
+              <a:rPr lang="en-US"/>
               <a:t>Second level</a:t>
             </a:r>
           </a:p>
           <a:p>
             <a:pPr lvl="2"/>
             <a:r>
-              <a:rPr lang="en-US" smtClean="0"/>
+              <a:rPr lang="en-US"/>
               <a:t>Third level</a:t>
             </a:r>
           </a:p>
           <a:p>
             <a:pPr lvl="3"/>
             <a:r>
-              <a:rPr lang="en-US" smtClean="0"/>
+              <a:rPr lang="en-US"/>
               <a:t>Fourth level</a:t>
             </a:r>
           </a:p>
           <a:p>
             <a:pPr lvl="4"/>
             <a:r>
-              <a:rPr lang="en-US" smtClean="0"/>
+              <a:rPr lang="en-US"/>
               <a:t>Fifth level</a:t>
             </a:r>
-            <a:endParaRPr lang="en-US"/>
           </a:p>
         </p:txBody>
       </p:sp>
@@ -3723,7 +3686,7 @@
           <a:p>
             <a:pPr lvl="0"/>
             <a:r>
-              <a:rPr lang="en-US" smtClean="0"/>
+              <a:rPr lang="en-US"/>
               <a:t>Click to edit Master text styles</a:t>
             </a:r>
           </a:p>
@@ -3746,7 +3709,7 @@
           <a:p>
             <a:fld id="{F2E1E608-A730-9F41-B145-F3D6C32D1769}" type="datetime1">
               <a:rPr lang="en-US" smtClean="0"/>
-              <a:t>7/19/16</a:t>
+              <a:t>10/3/18</a:t>
             </a:fld>
             <a:endParaRPr lang="en-US"/>
           </a:p>
@@ -3768,10 +3731,9 @@
           <a:lstStyle/>
           <a:p>
             <a:r>
-              <a:rPr lang="en-US" smtClean="0"/>
+              <a:rPr lang="en-US"/>
               <a:t>© EV3Lessons.com, 2016, (Last edit: 7/04/2016)</a:t>
             </a:r>
-            <a:endParaRPr lang="en-US"/>
           </a:p>
         </p:txBody>
       </p:sp>
@@ -3849,10 +3811,9 @@
           <a:lstStyle/>
           <a:p>
             <a:r>
-              <a:rPr lang="en-US" smtClean="0"/>
+              <a:rPr lang="en-US"/>
               <a:t>Click to edit Master title style</a:t>
             </a:r>
-            <a:endParaRPr lang="en-US"/>
           </a:p>
         </p:txBody>
       </p:sp>
@@ -3878,35 +3839,35 @@
           <a:p>
             <a:pPr lvl="0"/>
             <a:r>
-              <a:rPr lang="en-US" smtClean="0"/>
+              <a:rPr lang="en-US"/>
               <a:t>Click to edit Master text styles</a:t>
             </a:r>
           </a:p>
           <a:p>
             <a:pPr lvl="1"/>
             <a:r>
-              <a:rPr lang="en-US" smtClean="0"/>
+              <a:rPr lang="en-US"/>
               <a:t>Second level</a:t>
             </a:r>
           </a:p>
           <a:p>
             <a:pPr lvl="2"/>
             <a:r>
-              <a:rPr lang="en-US" smtClean="0"/>
+              <a:rPr lang="en-US"/>
               <a:t>Third level</a:t>
             </a:r>
           </a:p>
           <a:p>
             <a:pPr lvl="3"/>
             <a:r>
-              <a:rPr lang="en-US" smtClean="0"/>
+              <a:rPr lang="en-US"/>
               <a:t>Fourth level</a:t>
             </a:r>
           </a:p>
           <a:p>
             <a:pPr lvl="4"/>
             <a:r>
-              <a:rPr lang="en-US" smtClean="0"/>
+              <a:rPr lang="en-US"/>
               <a:t>Fifth level</a:t>
             </a:r>
             <a:endParaRPr lang="en-US" dirty="0"/>
@@ -3930,7 +3891,7 @@
           <a:p>
             <a:fld id="{9B654988-891D-234B-9FFE-78D7B2394916}" type="datetime1">
               <a:rPr lang="en-US" smtClean="0"/>
-              <a:t>7/19/16</a:t>
+              <a:t>10/3/18</a:t>
             </a:fld>
             <a:endParaRPr lang="en-US"/>
           </a:p>
@@ -3952,10 +3913,9 @@
           <a:lstStyle/>
           <a:p>
             <a:r>
-              <a:rPr lang="en-US" smtClean="0"/>
+              <a:rPr lang="en-US"/>
               <a:t>© EV3Lessons.com, 2016, (Last edit: 7/04/2016)</a:t>
             </a:r>
-            <a:endParaRPr lang="en-US"/>
           </a:p>
         </p:txBody>
       </p:sp>
@@ -4000,13 +3960,6 @@
   <p:clrMapOvr>
     <a:masterClrMapping/>
   </p:clrMapOvr>
-  <p:timing>
-    <p:tnLst>
-      <p:par>
-        <p:cTn id="1" dur="indefinite" restart="never" nodeType="tmRoot"/>
-      </p:par>
-    </p:tnLst>
-  </p:timing>
 </p:sldLayout>
 </file>
 
@@ -4052,10 +4005,9 @@
           </a:lstStyle>
           <a:p>
             <a:r>
-              <a:rPr lang="en-US" smtClean="0"/>
+              <a:rPr lang="en-US"/>
               <a:t>Click to edit Master title style</a:t>
             </a:r>
-            <a:endParaRPr lang="en-US"/>
           </a:p>
         </p:txBody>
       </p:sp>
@@ -4117,10 +4069,9 @@
           </a:lstStyle>
           <a:p>
             <a:r>
-              <a:rPr lang="en-US" smtClean="0"/>
+              <a:rPr lang="en-US"/>
               <a:t>Drag picture to placeholder or click icon to add</a:t>
             </a:r>
-            <a:endParaRPr lang="en-US"/>
           </a:p>
         </p:txBody>
       </p:sp>
@@ -4183,7 +4134,7 @@
           <a:p>
             <a:pPr lvl="0"/>
             <a:r>
-              <a:rPr lang="en-US" smtClean="0"/>
+              <a:rPr lang="en-US"/>
               <a:t>Click to edit Master text styles</a:t>
             </a:r>
           </a:p>
@@ -4206,7 +4157,7 @@
           <a:p>
             <a:fld id="{A3862105-26FA-1243-88AE-A609CEBBD0B9}" type="datetime1">
               <a:rPr lang="en-US" smtClean="0"/>
-              <a:t>7/19/16</a:t>
+              <a:t>10/3/18</a:t>
             </a:fld>
             <a:endParaRPr lang="en-US"/>
           </a:p>
@@ -4228,10 +4179,9 @@
           <a:lstStyle/>
           <a:p>
             <a:r>
-              <a:rPr lang="en-US" smtClean="0"/>
+              <a:rPr lang="en-US"/>
               <a:t>© EV3Lessons.com, 2016, (Last edit: 7/04/2016)</a:t>
             </a:r>
-            <a:endParaRPr lang="en-US"/>
           </a:p>
         </p:txBody>
       </p:sp>
@@ -4304,10 +4254,9 @@
           <a:lstStyle/>
           <a:p>
             <a:r>
-              <a:rPr lang="en-US" smtClean="0"/>
+              <a:rPr lang="en-US"/>
               <a:t>Click to edit Master title style</a:t>
             </a:r>
-            <a:endParaRPr lang="en-US"/>
           </a:p>
         </p:txBody>
       </p:sp>
@@ -4328,38 +4277,37 @@
           <a:p>
             <a:pPr lvl="0"/>
             <a:r>
-              <a:rPr lang="en-US" smtClean="0"/>
+              <a:rPr lang="en-US"/>
               <a:t>Click to edit Master text styles</a:t>
             </a:r>
           </a:p>
           <a:p>
             <a:pPr lvl="1"/>
             <a:r>
-              <a:rPr lang="en-US" smtClean="0"/>
+              <a:rPr lang="en-US"/>
               <a:t>Second level</a:t>
             </a:r>
           </a:p>
           <a:p>
             <a:pPr lvl="2"/>
             <a:r>
-              <a:rPr lang="en-US" smtClean="0"/>
+              <a:rPr lang="en-US"/>
               <a:t>Third level</a:t>
             </a:r>
           </a:p>
           <a:p>
             <a:pPr lvl="3"/>
             <a:r>
-              <a:rPr lang="en-US" smtClean="0"/>
+              <a:rPr lang="en-US"/>
               <a:t>Fourth level</a:t>
             </a:r>
           </a:p>
           <a:p>
             <a:pPr lvl="4"/>
             <a:r>
-              <a:rPr lang="en-US" smtClean="0"/>
+              <a:rPr lang="en-US"/>
               <a:t>Fifth level</a:t>
             </a:r>
-            <a:endParaRPr lang="en-US"/>
           </a:p>
         </p:txBody>
       </p:sp>
@@ -4380,7 +4328,7 @@
           <a:p>
             <a:fld id="{07FD21FC-6D4E-A54C-B703-0B0020577B95}" type="datetime1">
               <a:rPr lang="en-US" smtClean="0"/>
-              <a:t>7/19/16</a:t>
+              <a:t>10/3/18</a:t>
             </a:fld>
             <a:endParaRPr lang="en-US"/>
           </a:p>
@@ -4402,10 +4350,9 @@
           <a:lstStyle/>
           <a:p>
             <a:r>
-              <a:rPr lang="en-US" smtClean="0"/>
+              <a:rPr lang="en-US"/>
               <a:t>© EV3Lessons.com, 2016, (Last edit: 7/04/2016)</a:t>
             </a:r>
-            <a:endParaRPr lang="en-US"/>
           </a:p>
         </p:txBody>
       </p:sp>
@@ -4483,10 +4430,9 @@
           <a:lstStyle/>
           <a:p>
             <a:r>
-              <a:rPr lang="en-US" smtClean="0"/>
+              <a:rPr lang="en-US"/>
               <a:t>Click to edit Master title style</a:t>
             </a:r>
-            <a:endParaRPr lang="en-US"/>
           </a:p>
         </p:txBody>
       </p:sp>
@@ -4512,38 +4458,37 @@
           <a:p>
             <a:pPr lvl="0"/>
             <a:r>
-              <a:rPr lang="en-US" smtClean="0"/>
+              <a:rPr lang="en-US"/>
               <a:t>Click to edit Master text styles</a:t>
             </a:r>
           </a:p>
           <a:p>
             <a:pPr lvl="1"/>
             <a:r>
-              <a:rPr lang="en-US" smtClean="0"/>
+              <a:rPr lang="en-US"/>
               <a:t>Second level</a:t>
             </a:r>
           </a:p>
           <a:p>
             <a:pPr lvl="2"/>
             <a:r>
-              <a:rPr lang="en-US" smtClean="0"/>
+              <a:rPr lang="en-US"/>
               <a:t>Third level</a:t>
             </a:r>
           </a:p>
           <a:p>
             <a:pPr lvl="3"/>
             <a:r>
-              <a:rPr lang="en-US" smtClean="0"/>
+              <a:rPr lang="en-US"/>
               <a:t>Fourth level</a:t>
             </a:r>
           </a:p>
           <a:p>
             <a:pPr lvl="4"/>
             <a:r>
-              <a:rPr lang="en-US" smtClean="0"/>
+              <a:rPr lang="en-US"/>
               <a:t>Fifth level</a:t>
             </a:r>
-            <a:endParaRPr lang="en-US"/>
           </a:p>
         </p:txBody>
       </p:sp>
@@ -4564,7 +4509,7 @@
           <a:p>
             <a:fld id="{31F350DF-993E-FF43-B073-67B20C34026A}" type="datetime1">
               <a:rPr lang="en-US" smtClean="0"/>
-              <a:t>7/19/16</a:t>
+              <a:t>10/3/18</a:t>
             </a:fld>
             <a:endParaRPr lang="en-US"/>
           </a:p>
@@ -4586,10 +4531,9 @@
           <a:lstStyle/>
           <a:p>
             <a:r>
-              <a:rPr lang="en-US" smtClean="0"/>
+              <a:rPr lang="en-US"/>
               <a:t>© EV3Lessons.com, 2016, (Last edit: 7/04/2016)</a:t>
             </a:r>
-            <a:endParaRPr lang="en-US"/>
           </a:p>
         </p:txBody>
       </p:sp>
@@ -4680,7 +4624,7 @@
           </a:lstStyle>
           <a:p>
             <a:r>
-              <a:rPr lang="en-US" smtClean="0"/>
+              <a:rPr lang="en-US"/>
               <a:t>Click to edit Master title style</a:t>
             </a:r>
             <a:endParaRPr lang="en-US" dirty="0"/>
@@ -4799,7 +4743,7 @@
           <a:p>
             <a:pPr lvl="0"/>
             <a:r>
-              <a:rPr lang="en-US" smtClean="0"/>
+              <a:rPr lang="en-US"/>
               <a:t>Click to edit Master text styles</a:t>
             </a:r>
           </a:p>
@@ -4822,7 +4766,7 @@
           <a:p>
             <a:fld id="{08796818-ED79-4B47-A2D9-D4E5F8DADCDC}" type="datetime1">
               <a:rPr lang="en-US" smtClean="0"/>
-              <a:t>7/19/16</a:t>
+              <a:t>10/3/18</a:t>
             </a:fld>
             <a:endParaRPr lang="en-US"/>
           </a:p>
@@ -4875,10 +4819,9 @@
           <a:lstStyle/>
           <a:p>
             <a:r>
-              <a:rPr lang="en-US" smtClean="0"/>
+              <a:rPr lang="en-US"/>
               <a:t>© EV3Lessons.com, 2016, (Last edit: 7/04/2016)</a:t>
             </a:r>
-            <a:endParaRPr lang="en-US"/>
           </a:p>
         </p:txBody>
       </p:sp>
@@ -4933,10 +4876,9 @@
           <a:lstStyle/>
           <a:p>
             <a:r>
-              <a:rPr lang="en-US" smtClean="0"/>
+              <a:rPr lang="en-US"/>
               <a:t>Click to edit Master title style</a:t>
             </a:r>
-            <a:endParaRPr lang="en-US"/>
           </a:p>
         </p:txBody>
       </p:sp>
@@ -4990,35 +4932,35 @@
           <a:p>
             <a:pPr lvl="0"/>
             <a:r>
-              <a:rPr lang="en-US" smtClean="0"/>
+              <a:rPr lang="en-US"/>
               <a:t>Click to edit Master text styles</a:t>
             </a:r>
           </a:p>
           <a:p>
             <a:pPr lvl="1"/>
             <a:r>
-              <a:rPr lang="en-US" smtClean="0"/>
+              <a:rPr lang="en-US"/>
               <a:t>Second level</a:t>
             </a:r>
           </a:p>
           <a:p>
             <a:pPr lvl="2"/>
             <a:r>
-              <a:rPr lang="en-US" smtClean="0"/>
+              <a:rPr lang="en-US"/>
               <a:t>Third level</a:t>
             </a:r>
           </a:p>
           <a:p>
             <a:pPr lvl="3"/>
             <a:r>
-              <a:rPr lang="en-US" smtClean="0"/>
+              <a:rPr lang="en-US"/>
               <a:t>Fourth level</a:t>
             </a:r>
           </a:p>
           <a:p>
             <a:pPr lvl="4"/>
             <a:r>
-              <a:rPr lang="en-US" smtClean="0"/>
+              <a:rPr lang="en-US"/>
               <a:t>Fifth level</a:t>
             </a:r>
             <a:endParaRPr lang="en-US" dirty="0"/>
@@ -5075,35 +5017,35 @@
           <a:p>
             <a:pPr lvl="0"/>
             <a:r>
-              <a:rPr lang="en-US" smtClean="0"/>
+              <a:rPr lang="en-US"/>
               <a:t>Click to edit Master text styles</a:t>
             </a:r>
           </a:p>
           <a:p>
             <a:pPr lvl="1"/>
             <a:r>
-              <a:rPr lang="en-US" smtClean="0"/>
+              <a:rPr lang="en-US"/>
               <a:t>Second level</a:t>
             </a:r>
           </a:p>
           <a:p>
             <a:pPr lvl="2"/>
             <a:r>
-              <a:rPr lang="en-US" smtClean="0"/>
+              <a:rPr lang="en-US"/>
               <a:t>Third level</a:t>
             </a:r>
           </a:p>
           <a:p>
             <a:pPr lvl="3"/>
             <a:r>
-              <a:rPr lang="en-US" smtClean="0"/>
+              <a:rPr lang="en-US"/>
               <a:t>Fourth level</a:t>
             </a:r>
           </a:p>
           <a:p>
             <a:pPr lvl="4"/>
             <a:r>
-              <a:rPr lang="en-US" smtClean="0"/>
+              <a:rPr lang="en-US"/>
               <a:t>Fifth level</a:t>
             </a:r>
             <a:endParaRPr lang="en-US" dirty="0"/>
@@ -5127,7 +5069,7 @@
           <a:p>
             <a:fld id="{B737E19C-D2C9-DE49-B914-0C9ED0DBA0C9}" type="datetime1">
               <a:rPr lang="en-US" smtClean="0"/>
-              <a:t>7/19/16</a:t>
+              <a:t>10/3/18</a:t>
             </a:fld>
             <a:endParaRPr lang="en-US"/>
           </a:p>
@@ -5149,10 +5091,9 @@
           <a:lstStyle/>
           <a:p>
             <a:r>
-              <a:rPr lang="en-US" smtClean="0"/>
+              <a:rPr lang="en-US"/>
               <a:t>© EV3Lessons.com, 2016, (Last edit: 7/04/2016)</a:t>
             </a:r>
-            <a:endParaRPr lang="en-US"/>
           </a:p>
         </p:txBody>
       </p:sp>
@@ -5197,13 +5138,6 @@
   <p:clrMapOvr>
     <a:masterClrMapping/>
   </p:clrMapOvr>
-  <p:timing>
-    <p:tnLst>
-      <p:par>
-        <p:cTn id="1" dur="indefinite" restart="never" nodeType="tmRoot"/>
-      </p:par>
-    </p:tnLst>
-  </p:timing>
 </p:sldLayout>
 </file>
 
@@ -5244,10 +5178,9 @@
           </a:lstStyle>
           <a:p>
             <a:r>
-              <a:rPr lang="en-US" smtClean="0"/>
+              <a:rPr lang="en-US"/>
               <a:t>Click to edit Master title style</a:t>
             </a:r>
-            <a:endParaRPr lang="en-US"/>
           </a:p>
         </p:txBody>
       </p:sp>
@@ -5317,7 +5250,7 @@
           <a:p>
             <a:pPr lvl="0"/>
             <a:r>
-              <a:rPr lang="en-US" smtClean="0"/>
+              <a:rPr lang="en-US"/>
               <a:t>Click to edit Master text styles</a:t>
             </a:r>
           </a:p>
@@ -5373,35 +5306,35 @@
           <a:p>
             <a:pPr lvl="0"/>
             <a:r>
-              <a:rPr lang="en-US" smtClean="0"/>
+              <a:rPr lang="en-US"/>
               <a:t>Click to edit Master text styles</a:t>
             </a:r>
           </a:p>
           <a:p>
             <a:pPr lvl="1"/>
             <a:r>
-              <a:rPr lang="en-US" smtClean="0"/>
+              <a:rPr lang="en-US"/>
               <a:t>Second level</a:t>
             </a:r>
           </a:p>
           <a:p>
             <a:pPr lvl="2"/>
             <a:r>
-              <a:rPr lang="en-US" smtClean="0"/>
+              <a:rPr lang="en-US"/>
               <a:t>Third level</a:t>
             </a:r>
           </a:p>
           <a:p>
             <a:pPr lvl="3"/>
             <a:r>
-              <a:rPr lang="en-US" smtClean="0"/>
+              <a:rPr lang="en-US"/>
               <a:t>Fourth level</a:t>
             </a:r>
           </a:p>
           <a:p>
             <a:pPr lvl="4"/>
             <a:r>
-              <a:rPr lang="en-US" smtClean="0"/>
+              <a:rPr lang="en-US"/>
               <a:t>Fifth level</a:t>
             </a:r>
             <a:endParaRPr lang="en-US" dirty="0"/>
@@ -5482,7 +5415,7 @@
               <a:buNone/>
             </a:pPr>
             <a:r>
-              <a:rPr lang="en-US" smtClean="0"/>
+              <a:rPr lang="en-US"/>
               <a:t>Click to edit Master text styles</a:t>
             </a:r>
           </a:p>
@@ -5538,35 +5471,35 @@
           <a:p>
             <a:pPr lvl="0"/>
             <a:r>
-              <a:rPr lang="en-US" smtClean="0"/>
+              <a:rPr lang="en-US"/>
               <a:t>Click to edit Master text styles</a:t>
             </a:r>
           </a:p>
           <a:p>
             <a:pPr lvl="1"/>
             <a:r>
-              <a:rPr lang="en-US" smtClean="0"/>
+              <a:rPr lang="en-US"/>
               <a:t>Second level</a:t>
             </a:r>
           </a:p>
           <a:p>
             <a:pPr lvl="2"/>
             <a:r>
-              <a:rPr lang="en-US" smtClean="0"/>
+              <a:rPr lang="en-US"/>
               <a:t>Third level</a:t>
             </a:r>
           </a:p>
           <a:p>
             <a:pPr lvl="3"/>
             <a:r>
-              <a:rPr lang="en-US" smtClean="0"/>
+              <a:rPr lang="en-US"/>
               <a:t>Fourth level</a:t>
             </a:r>
           </a:p>
           <a:p>
             <a:pPr lvl="4"/>
             <a:r>
-              <a:rPr lang="en-US" smtClean="0"/>
+              <a:rPr lang="en-US"/>
               <a:t>Fifth level</a:t>
             </a:r>
             <a:endParaRPr lang="en-US" dirty="0"/>
@@ -5590,7 +5523,7 @@
           <a:p>
             <a:fld id="{828F08B8-8BE0-4F49-B12B-68092BB9602D}" type="datetime1">
               <a:rPr lang="en-US" smtClean="0"/>
-              <a:t>7/19/16</a:t>
+              <a:t>10/3/18</a:t>
             </a:fld>
             <a:endParaRPr lang="en-US"/>
           </a:p>
@@ -5612,10 +5545,9 @@
           <a:lstStyle/>
           <a:p>
             <a:r>
-              <a:rPr lang="en-US" smtClean="0"/>
+              <a:rPr lang="en-US"/>
               <a:t>© EV3Lessons.com, 2016, (Last edit: 7/04/2016)</a:t>
             </a:r>
-            <a:endParaRPr lang="en-US"/>
           </a:p>
         </p:txBody>
       </p:sp>
@@ -5660,13 +5592,6 @@
   <p:clrMapOvr>
     <a:masterClrMapping/>
   </p:clrMapOvr>
-  <p:timing>
-    <p:tnLst>
-      <p:par>
-        <p:cTn id="1" dur="indefinite" restart="never" nodeType="tmRoot"/>
-      </p:par>
-    </p:tnLst>
-  </p:timing>
 </p:sldLayout>
 </file>
 
@@ -5703,10 +5628,9 @@
           <a:lstStyle/>
           <a:p>
             <a:r>
-              <a:rPr lang="en-US" smtClean="0"/>
+              <a:rPr lang="en-US"/>
               <a:t>Click to edit Master title style</a:t>
             </a:r>
-            <a:endParaRPr lang="en-US"/>
           </a:p>
         </p:txBody>
       </p:sp>
@@ -5727,7 +5651,7 @@
           <a:p>
             <a:fld id="{6C0131A1-3BD9-0144-81D0-7FEB34905A5D}" type="datetime1">
               <a:rPr lang="en-US" smtClean="0"/>
-              <a:t>7/19/16</a:t>
+              <a:t>10/3/18</a:t>
             </a:fld>
             <a:endParaRPr lang="en-US"/>
           </a:p>
@@ -5749,10 +5673,9 @@
           <a:lstStyle/>
           <a:p>
             <a:r>
-              <a:rPr lang="en-US" smtClean="0"/>
+              <a:rPr lang="en-US"/>
               <a:t>© EV3Lessons.com, 2016, (Last edit: 7/04/2016)</a:t>
             </a:r>
-            <a:endParaRPr lang="en-US"/>
           </a:p>
         </p:txBody>
       </p:sp>
@@ -5797,13 +5720,6 @@
   <p:clrMapOvr>
     <a:masterClrMapping/>
   </p:clrMapOvr>
-  <p:timing>
-    <p:tnLst>
-      <p:par>
-        <p:cTn id="1" dur="indefinite" restart="never" nodeType="tmRoot"/>
-      </p:par>
-    </p:tnLst>
-  </p:timing>
 </p:sldLayout>
 </file>
 
@@ -5841,7 +5757,7 @@
           <a:p>
             <a:fld id="{FEAC6049-EC18-304C-A850-4A817AF10918}" type="datetime1">
               <a:rPr lang="en-US" smtClean="0"/>
-              <a:t>7/19/16</a:t>
+              <a:t>10/3/18</a:t>
             </a:fld>
             <a:endParaRPr lang="en-US"/>
           </a:p>
@@ -5863,10 +5779,9 @@
           <a:lstStyle/>
           <a:p>
             <a:r>
-              <a:rPr lang="en-US" smtClean="0"/>
+              <a:rPr lang="en-US"/>
               <a:t>© EV3Lessons.com, 2016, (Last edit: 7/04/2016)</a:t>
             </a:r>
-            <a:endParaRPr lang="en-US"/>
           </a:p>
         </p:txBody>
       </p:sp>
@@ -5981,35 +5896,35 @@
           <a:p>
             <a:pPr lvl="0"/>
             <a:r>
-              <a:rPr lang="en-US" smtClean="0"/>
+              <a:rPr lang="en-US"/>
               <a:t>Click to edit Master text styles</a:t>
             </a:r>
           </a:p>
           <a:p>
             <a:pPr lvl="1"/>
             <a:r>
-              <a:rPr lang="en-US" smtClean="0"/>
+              <a:rPr lang="en-US"/>
               <a:t>Second level</a:t>
             </a:r>
           </a:p>
           <a:p>
             <a:pPr lvl="2"/>
             <a:r>
-              <a:rPr lang="en-US" smtClean="0"/>
+              <a:rPr lang="en-US"/>
               <a:t>Third level</a:t>
             </a:r>
           </a:p>
           <a:p>
             <a:pPr lvl="3"/>
             <a:r>
-              <a:rPr lang="en-US" smtClean="0"/>
+              <a:rPr lang="en-US"/>
               <a:t>Fourth level</a:t>
             </a:r>
           </a:p>
           <a:p>
             <a:pPr lvl="4"/>
             <a:r>
-              <a:rPr lang="en-US" smtClean="0"/>
+              <a:rPr lang="en-US"/>
               <a:t>Fifth level</a:t>
             </a:r>
             <a:endParaRPr lang="en-US" dirty="0"/>
@@ -6077,7 +5992,7 @@
           <a:p>
             <a:pPr lvl="0"/>
             <a:r>
-              <a:rPr lang="en-US" smtClean="0"/>
+              <a:rPr lang="en-US"/>
               <a:t>Click to edit Master text styles</a:t>
             </a:r>
           </a:p>
@@ -6100,7 +6015,7 @@
           <a:p>
             <a:fld id="{F7E2C4BB-7842-3B41-9752-C3E084454838}" type="datetime1">
               <a:rPr lang="en-US" smtClean="0"/>
-              <a:t>7/19/16</a:t>
+              <a:t>10/3/18</a:t>
             </a:fld>
             <a:endParaRPr lang="en-US"/>
           </a:p>
@@ -6122,10 +6037,9 @@
           <a:lstStyle/>
           <a:p>
             <a:r>
-              <a:rPr lang="en-US" smtClean="0"/>
+              <a:rPr lang="en-US"/>
               <a:t>© EV3Lessons.com, 2016, (Last edit: 7/04/2016)</a:t>
             </a:r>
-            <a:endParaRPr lang="en-US"/>
           </a:p>
         </p:txBody>
       </p:sp>
@@ -6176,10 +6090,9 @@
           <a:lstStyle/>
           <a:p>
             <a:r>
-              <a:rPr lang="en-US" smtClean="0"/>
+              <a:rPr lang="en-US"/>
               <a:t>Click to edit Master title style</a:t>
             </a:r>
-            <a:endParaRPr lang="en-US"/>
           </a:p>
         </p:txBody>
       </p:sp>
@@ -6322,10 +6235,9 @@
           </a:lstStyle>
           <a:p>
             <a:r>
-              <a:rPr lang="en-US" smtClean="0"/>
+              <a:rPr lang="en-US"/>
               <a:t>Drag picture to placeholder or click icon to add</a:t>
             </a:r>
-            <a:endParaRPr lang="en-US"/>
           </a:p>
         </p:txBody>
       </p:sp>
@@ -6388,7 +6300,7 @@
           <a:p>
             <a:pPr lvl="0"/>
             <a:r>
-              <a:rPr lang="en-US" smtClean="0"/>
+              <a:rPr lang="en-US"/>
               <a:t>Click to edit Master text styles</a:t>
             </a:r>
           </a:p>
@@ -6411,7 +6323,7 @@
           <a:p>
             <a:fld id="{3B614359-EF4E-284F-8806-770CCE326910}" type="datetime1">
               <a:rPr lang="en-US" smtClean="0"/>
-              <a:t>7/19/16</a:t>
+              <a:t>10/3/18</a:t>
             </a:fld>
             <a:endParaRPr lang="en-US"/>
           </a:p>
@@ -6433,10 +6345,9 @@
           <a:lstStyle/>
           <a:p>
             <a:r>
-              <a:rPr lang="en-US" smtClean="0"/>
+              <a:rPr lang="en-US"/>
               <a:t>© EV3Lessons.com, 2016, (Last edit: 7/04/2016)</a:t>
             </a:r>
-            <a:endParaRPr lang="en-US"/>
           </a:p>
         </p:txBody>
       </p:sp>
@@ -6506,7 +6417,7 @@
           </a:lstStyle>
           <a:p>
             <a:r>
-              <a:rPr lang="en-US" smtClean="0"/>
+              <a:rPr lang="en-US"/>
               <a:t>Click to edit Master title style</a:t>
             </a:r>
             <a:endParaRPr lang="en-US" dirty="0"/>
@@ -6620,7 +6531,7 @@
           <a:lstStyle/>
           <a:p>
             <a:r>
-              <a:rPr lang="en-US" smtClean="0"/>
+              <a:rPr lang="en-US"/>
               <a:t>Click to edit Master title style</a:t>
             </a:r>
             <a:endParaRPr lang="en-US" dirty="0"/>
@@ -6654,35 +6565,35 @@
           <a:p>
             <a:pPr lvl="0"/>
             <a:r>
-              <a:rPr lang="en-US" smtClean="0"/>
+              <a:rPr lang="en-US"/>
               <a:t>Click to edit Master text styles</a:t>
             </a:r>
           </a:p>
           <a:p>
             <a:pPr lvl="1"/>
             <a:r>
-              <a:rPr lang="en-US" smtClean="0"/>
+              <a:rPr lang="en-US"/>
               <a:t>Second level</a:t>
             </a:r>
           </a:p>
           <a:p>
             <a:pPr lvl="2"/>
             <a:r>
-              <a:rPr lang="en-US" smtClean="0"/>
+              <a:rPr lang="en-US"/>
               <a:t>Third level</a:t>
             </a:r>
           </a:p>
           <a:p>
             <a:pPr lvl="3"/>
             <a:r>
-              <a:rPr lang="en-US" smtClean="0"/>
+              <a:rPr lang="en-US"/>
               <a:t>Fourth level</a:t>
             </a:r>
           </a:p>
           <a:p>
             <a:pPr lvl="4"/>
             <a:r>
-              <a:rPr lang="en-US" smtClean="0"/>
+              <a:rPr lang="en-US"/>
               <a:t>Fifth level</a:t>
             </a:r>
             <a:endParaRPr lang="en-US" dirty="0"/>
@@ -6722,7 +6633,7 @@
           <a:p>
             <a:fld id="{E271E826-0063-304C-BEE7-0BA6065310EA}" type="datetime1">
               <a:rPr lang="en-US" smtClean="0"/>
-              <a:t>7/19/16</a:t>
+              <a:t>10/3/18</a:t>
             </a:fld>
             <a:endParaRPr lang="en-US"/>
           </a:p>
@@ -6760,10 +6671,9 @@
           </a:lstStyle>
           <a:p>
             <a:r>
-              <a:rPr lang="en-US" smtClean="0"/>
+              <a:rPr lang="en-US"/>
               <a:t>© EV3Lessons.com, 2016, (Last edit: 7/04/2016)</a:t>
             </a:r>
-            <a:endParaRPr lang="en-US"/>
           </a:p>
         </p:txBody>
       </p:sp>
@@ -7350,13 +7260,6 @@
     <p:sldLayoutId id="2147483736" r:id="rId10"/>
     <p:sldLayoutId id="2147483737" r:id="rId11"/>
   </p:sldLayoutIdLst>
-  <p:timing>
-    <p:tnLst>
-      <p:par>
-        <p:cTn id="1" dur="indefinite" restart="never" nodeType="tmRoot"/>
-      </p:par>
-    </p:tnLst>
-  </p:timing>
   <p:hf hdr="0" dt="0"/>
   <p:txStyles>
     <p:titleStyle>
@@ -7686,10 +7589,9 @@
           <a:lstStyle/>
           <a:p>
             <a:r>
-              <a:rPr lang="en-US" smtClean="0"/>
+              <a:rPr lang="en-US"/>
               <a:t>Click to edit Master title style</a:t>
             </a:r>
-            <a:endParaRPr lang="en-US"/>
           </a:p>
         </p:txBody>
       </p:sp>
@@ -7720,38 +7622,37 @@
           <a:p>
             <a:pPr lvl="0"/>
             <a:r>
-              <a:rPr lang="en-US" smtClean="0"/>
+              <a:rPr lang="en-US"/>
               <a:t>Click to edit Master text styles</a:t>
             </a:r>
           </a:p>
           <a:p>
             <a:pPr lvl="1"/>
             <a:r>
-              <a:rPr lang="en-US" smtClean="0"/>
+              <a:rPr lang="en-US"/>
               <a:t>Second level</a:t>
             </a:r>
           </a:p>
           <a:p>
             <a:pPr lvl="2"/>
             <a:r>
-              <a:rPr lang="en-US" smtClean="0"/>
+              <a:rPr lang="en-US"/>
               <a:t>Third level</a:t>
             </a:r>
           </a:p>
           <a:p>
             <a:pPr lvl="3"/>
             <a:r>
-              <a:rPr lang="en-US" smtClean="0"/>
+              <a:rPr lang="en-US"/>
               <a:t>Fourth level</a:t>
             </a:r>
           </a:p>
           <a:p>
             <a:pPr lvl="4"/>
             <a:r>
-              <a:rPr lang="en-US" smtClean="0"/>
+              <a:rPr lang="en-US"/>
               <a:t>Fifth level</a:t>
             </a:r>
-            <a:endParaRPr lang="en-US"/>
           </a:p>
         </p:txBody>
       </p:sp>
@@ -7790,7 +7691,7 @@
           <a:p>
             <a:fld id="{99414BAA-423C-F045-B8BC-4F35D36808C6}" type="datetime1">
               <a:rPr lang="en-US" smtClean="0"/>
-              <a:t>7/19/16</a:t>
+              <a:t>10/3/18</a:t>
             </a:fld>
             <a:endParaRPr lang="en-US"/>
           </a:p>
@@ -7830,10 +7731,9 @@
           </a:lstStyle>
           <a:p>
             <a:r>
-              <a:rPr lang="en-US" smtClean="0"/>
+              <a:rPr lang="en-US"/>
               <a:t>© EV3Lessons.com, 2016, (Last edit: 7/04/2016)</a:t>
             </a:r>
-            <a:endParaRPr lang="en-US"/>
           </a:p>
         </p:txBody>
       </p:sp>
@@ -8216,10 +8116,9 @@
           <a:lstStyle/>
           <a:p>
             <a:r>
-              <a:rPr lang="en-US" dirty="0" smtClean="0"/>
+              <a:rPr lang="en-US" dirty="0"/>
               <a:t>Final Challenges</a:t>
             </a:r>
-            <a:endParaRPr lang="en-US" dirty="0"/>
           </a:p>
         </p:txBody>
       </p:sp>
@@ -8240,10 +8139,9 @@
           <a:p>
             <a:pPr algn="ctr"/>
             <a:r>
-              <a:rPr lang="en-US" dirty="0" smtClean="0"/>
+              <a:rPr lang="en-US" dirty="0"/>
               <a:t>BEGINNER PROGRAMMING LESSON</a:t>
             </a:r>
-            <a:endParaRPr lang="en-US" dirty="0"/>
           </a:p>
         </p:txBody>
       </p:sp>
@@ -8327,10 +8225,9 @@
           <a:lstStyle/>
           <a:p>
             <a:r>
-              <a:rPr lang="en-US" dirty="0" smtClean="0"/>
+              <a:rPr lang="en-US" dirty="0"/>
               <a:t>TEACHER INSTRUCTIONS</a:t>
             </a:r>
-            <a:endParaRPr lang="en-US" dirty="0"/>
           </a:p>
         </p:txBody>
       </p:sp>
@@ -8361,16 +8258,8 @@
               <a:buChar char="•"/>
             </a:pPr>
             <a:r>
-              <a:rPr lang="en-US" b="0" dirty="0" smtClean="0"/>
-              <a:t>You can set up any challenge you want using colored electric tape on a white board (available at home improvement/hardware stores).</a:t>
-            </a:r>
-            <a:r>
               <a:rPr lang="en-US" b="0" dirty="0"/>
-              <a:t> </a:t>
-            </a:r>
-            <a:r>
-              <a:rPr lang="en-US" b="0" dirty="0" smtClean="0"/>
-              <a:t> You can also use large white poster paper on a hard floor.</a:t>
+              <a:t>You can set up any challenge you want using colored electric tape on a white board (available at home improvement/hardware stores).  You can also use large white poster paper on a hard floor.</a:t>
             </a:r>
           </a:p>
           <a:p>
@@ -8379,7 +8268,7 @@
               <a:buChar char="•"/>
             </a:pPr>
             <a:r>
-              <a:rPr lang="en-US" b="0" dirty="0" smtClean="0"/>
+              <a:rPr lang="en-US" b="0" dirty="0"/>
               <a:t>Note that the electric tape colors do not match LEGO’s colors. So your sensors may have trouble reading those colors.</a:t>
             </a:r>
           </a:p>
@@ -8389,12 +8278,12 @@
               <a:buChar char="•"/>
             </a:pPr>
             <a:r>
-              <a:rPr lang="en-US" b="0" dirty="0" smtClean="0"/>
+              <a:rPr lang="en-US" b="0" dirty="0"/>
               <a:t>You can also use old FIRST LEGO League Mats for practice.  They are sometimes available on eBay or other teams.</a:t>
             </a:r>
           </a:p>
           <a:p>
-            <a:endParaRPr lang="en-US" b="0" dirty="0" smtClean="0"/>
+            <a:endParaRPr lang="en-US" b="0" dirty="0"/>
           </a:p>
         </p:txBody>
       </p:sp>
@@ -8414,7 +8303,7 @@
           <a:lstStyle/>
           <a:p>
             <a:r>
-              <a:rPr lang="en-US" smtClean="0"/>
+              <a:rPr lang="en-US"/>
               <a:t>© EV3Lessons.com, 2016, (Last edit: 7/04/2016)</a:t>
             </a:r>
             <a:endParaRPr lang="en-US" dirty="0"/>
@@ -8660,7 +8549,7 @@
             </a:lvl9pPr>
           </a:lstStyle>
           <a:p>
-            <a:endParaRPr lang="en-US" b="0" dirty="0" smtClean="0"/>
+            <a:endParaRPr lang="en-US" b="0" dirty="0"/>
           </a:p>
         </p:txBody>
       </p:sp>
@@ -8739,10 +8628,9 @@
           <a:lstStyle/>
           <a:p>
             <a:r>
-              <a:rPr lang="en-US" dirty="0" smtClean="0"/>
+              <a:rPr lang="en-US" dirty="0"/>
               <a:t>Challenges in this Lesson</a:t>
             </a:r>
-            <a:endParaRPr lang="en-US" dirty="0"/>
           </a:p>
         </p:txBody>
       </p:sp>
@@ -8764,7 +8652,7 @@
         </p:spPr>
         <p:txBody>
           <a:bodyPr>
-            <a:normAutofit fontScale="92500" lnSpcReduction="10000"/>
+            <a:normAutofit fontScale="85000" lnSpcReduction="10000"/>
           </a:bodyPr>
           <a:lstStyle/>
           <a:p>
@@ -8783,7 +8671,7 @@
               <a:buChar char="•"/>
             </a:pPr>
             <a:r>
-              <a:rPr lang="en-US" b="0" dirty="0" smtClean="0"/>
+              <a:rPr lang="en-US" b="0" dirty="0"/>
               <a:t>Solutions are not provided. Students should use everything they have discovered in the Beginner Lessons series to solve the missions</a:t>
             </a:r>
           </a:p>
@@ -8800,10 +8688,9 @@
               <a:buChar char="•"/>
             </a:pPr>
             <a:r>
-              <a:rPr lang="en-US" b="0" dirty="0" smtClean="0"/>
-              <a:t>Image on the right features EV3Lessons.com’s training mats.</a:t>
-            </a:r>
-            <a:endParaRPr lang="en-US" b="0" dirty="0"/>
+              <a:rPr lang="en-US" b="0" dirty="0"/>
+              <a:t>Image on the right features EV3Lessons.com’s training mats. These are not for sale, but the designs are given away free to anyone who donates to the site.</a:t>
+            </a:r>
           </a:p>
         </p:txBody>
       </p:sp>
@@ -8823,10 +8710,9 @@
           <a:lstStyle/>
           <a:p>
             <a:r>
-              <a:rPr lang="en-US" smtClean="0"/>
+              <a:rPr lang="en-US"/>
               <a:t>© EV3Lessons.com, 2016, (Last edit: 7/04/2016)</a:t>
             </a:r>
-            <a:endParaRPr lang="en-US"/>
           </a:p>
         </p:txBody>
       </p:sp>
@@ -8935,10 +8821,9 @@
           <a:lstStyle/>
           <a:p>
             <a:r>
-              <a:rPr lang="en-US" dirty="0" smtClean="0"/>
+              <a:rPr lang="en-US" dirty="0"/>
               <a:t>Maze 1: MOVING STRAIGHT AND TURNING PRACTICE</a:t>
             </a:r>
-            <a:endParaRPr lang="en-US" dirty="0"/>
           </a:p>
         </p:txBody>
       </p:sp>
@@ -8963,7 +8848,7 @@
           <a:lstStyle/>
           <a:p>
             <a:r>
-              <a:rPr lang="en-US" smtClean="0"/>
+              <a:rPr lang="en-US"/>
               <a:t>© EV3Lessons.com, 2016, (Last edit: 7/04/2016)</a:t>
             </a:r>
             <a:endParaRPr lang="en-US" dirty="0"/>
@@ -9071,10 +8956,9 @@
           <a:p>
             <a:pPr algn="ctr"/>
             <a:r>
-              <a:rPr lang="en-US" dirty="0" smtClean="0"/>
+              <a:rPr lang="en-US" dirty="0"/>
               <a:t>BASE/ START</a:t>
             </a:r>
-            <a:endParaRPr lang="en-US" dirty="0"/>
           </a:p>
         </p:txBody>
       </p:sp>
@@ -9113,10 +8997,9 @@
           <a:p>
             <a:pPr algn="ctr"/>
             <a:r>
-              <a:rPr lang="en-US" dirty="0" smtClean="0"/>
+              <a:rPr lang="en-US" dirty="0"/>
               <a:t>END</a:t>
             </a:r>
-            <a:endParaRPr lang="en-US" dirty="0"/>
           </a:p>
         </p:txBody>
       </p:sp>
@@ -9160,7 +9043,7 @@
               <a:buAutoNum type="arabicParenR"/>
             </a:pPr>
             <a:r>
-              <a:rPr lang="en-US" dirty="0" smtClean="0"/>
+              <a:rPr lang="en-US" dirty="0"/>
               <a:t>Go out of base</a:t>
             </a:r>
           </a:p>
@@ -9169,7 +9052,7 @@
               <a:buAutoNum type="arabicParenR"/>
             </a:pPr>
             <a:r>
-              <a:rPr lang="en-US" dirty="0" smtClean="0"/>
+              <a:rPr lang="en-US" dirty="0"/>
               <a:t>Turn left into the passage</a:t>
             </a:r>
           </a:p>
@@ -9178,7 +9061,7 @@
               <a:buAutoNum type="arabicParenR"/>
             </a:pPr>
             <a:r>
-              <a:rPr lang="en-US" dirty="0" smtClean="0"/>
+              <a:rPr lang="en-US" dirty="0"/>
               <a:t>Turn right</a:t>
             </a:r>
           </a:p>
@@ -9187,10 +9070,9 @@
               <a:buAutoNum type="arabicParenR"/>
             </a:pPr>
             <a:r>
-              <a:rPr lang="en-US" dirty="0" smtClean="0"/>
+              <a:rPr lang="en-US" dirty="0"/>
               <a:t>Turn right and head to the END</a:t>
             </a:r>
-            <a:endParaRPr lang="en-US" dirty="0"/>
           </a:p>
         </p:txBody>
       </p:sp>
@@ -9441,13 +9323,6 @@
   <p:clrMapOvr>
     <a:masterClrMapping/>
   </p:clrMapOvr>
-  <p:timing>
-    <p:tnLst>
-      <p:par>
-        <p:cTn id="1" dur="indefinite" restart="never" nodeType="tmRoot"/>
-      </p:par>
-    </p:tnLst>
-  </p:timing>
 </p:sld>
 </file>
 
@@ -9491,10 +9366,9 @@
           <a:lstStyle/>
           <a:p>
             <a:r>
-              <a:rPr lang="en-US" dirty="0" smtClean="0"/>
+              <a:rPr lang="en-US" dirty="0"/>
               <a:t>MAZE 2: SENSOR USAGE PRACTICE</a:t>
             </a:r>
-            <a:endParaRPr lang="en-US" dirty="0"/>
           </a:p>
         </p:txBody>
       </p:sp>
@@ -9519,7 +9393,7 @@
           <a:lstStyle/>
           <a:p>
             <a:r>
-              <a:rPr lang="en-US" smtClean="0"/>
+              <a:rPr lang="en-US"/>
               <a:t>© EV3Lessons.com, 2016, (Last edit: 7/04/2016)</a:t>
             </a:r>
             <a:endParaRPr lang="en-US" dirty="0"/>
@@ -9622,10 +9496,9 @@
           <a:p>
             <a:pPr algn="ctr"/>
             <a:r>
-              <a:rPr lang="en-US" dirty="0" smtClean="0"/>
+              <a:rPr lang="en-US" dirty="0"/>
               <a:t>Solid North Wall</a:t>
             </a:r>
-            <a:endParaRPr lang="en-US" dirty="0"/>
           </a:p>
         </p:txBody>
       </p:sp>
@@ -9669,10 +9542,9 @@
           <a:p>
             <a:pPr algn="ctr"/>
             <a:r>
-              <a:rPr lang="en-US" dirty="0" smtClean="0"/>
+              <a:rPr lang="en-US" dirty="0"/>
               <a:t>BASE/ START</a:t>
             </a:r>
-            <a:endParaRPr lang="en-US" dirty="0"/>
           </a:p>
         </p:txBody>
       </p:sp>
@@ -9711,10 +9583,9 @@
           <a:p>
             <a:pPr algn="ctr"/>
             <a:r>
-              <a:rPr lang="en-US" dirty="0" smtClean="0"/>
+              <a:rPr lang="en-US" dirty="0"/>
               <a:t>END</a:t>
             </a:r>
-            <a:endParaRPr lang="en-US" dirty="0"/>
           </a:p>
         </p:txBody>
       </p:sp>
@@ -9753,17 +9624,16 @@
           <a:p>
             <a:pPr algn="ctr"/>
             <a:r>
-              <a:rPr lang="en-US" dirty="0" smtClean="0"/>
+              <a:rPr lang="en-US" dirty="0"/>
               <a:t>Do Not Touch this.</a:t>
             </a:r>
           </a:p>
           <a:p>
             <a:pPr algn="ctr"/>
             <a:r>
-              <a:rPr lang="en-US" dirty="0" smtClean="0"/>
+              <a:rPr lang="en-US" dirty="0"/>
               <a:t>Light box that falls over.</a:t>
             </a:r>
-            <a:endParaRPr lang="en-US" dirty="0"/>
           </a:p>
         </p:txBody>
       </p:sp>
@@ -9807,7 +9677,7 @@
               <a:buAutoNum type="arabicParenR"/>
             </a:pPr>
             <a:r>
-              <a:rPr lang="en-US" dirty="0" smtClean="0"/>
+              <a:rPr lang="en-US" dirty="0"/>
               <a:t>Go out of base</a:t>
             </a:r>
           </a:p>
@@ -9816,11 +9686,11 @@
               <a:buAutoNum type="arabicParenR"/>
             </a:pPr>
             <a:r>
-              <a:rPr lang="en-US" dirty="0" smtClean="0"/>
+              <a:rPr lang="en-US" dirty="0"/>
               <a:t>Go up to the North wall and </a:t>
             </a:r>
             <a:r>
-              <a:rPr lang="en-US" dirty="0" smtClean="0">
+              <a:rPr lang="en-US" dirty="0">
                 <a:solidFill>
                   <a:srgbClr val="FF0000"/>
                 </a:solidFill>
@@ -9828,7 +9698,7 @@
               <a:t>touch it</a:t>
             </a:r>
             <a:r>
-              <a:rPr lang="en-US" dirty="0" smtClean="0"/>
+              <a:rPr lang="en-US" dirty="0"/>
               <a:t>.</a:t>
             </a:r>
           </a:p>
@@ -9837,7 +9707,7 @@
               <a:buAutoNum type="arabicParenR"/>
             </a:pPr>
             <a:r>
-              <a:rPr lang="en-US" dirty="0" smtClean="0"/>
+              <a:rPr lang="en-US" dirty="0"/>
               <a:t>Back up turn and navigate through the passage</a:t>
             </a:r>
           </a:p>
@@ -9846,32 +9716,16 @@
               <a:buAutoNum type="arabicParenR"/>
             </a:pPr>
             <a:r>
-              <a:rPr lang="en-US" dirty="0" smtClean="0"/>
+              <a:rPr lang="en-US" dirty="0"/>
               <a:t>Go to the “do not touch this wall”.</a:t>
             </a:r>
             <a:r>
-              <a:rPr lang="en-US" dirty="0" smtClean="0">
+              <a:rPr lang="en-US" dirty="0">
                 <a:solidFill>
                   <a:srgbClr val="FF0000"/>
                 </a:solidFill>
               </a:rPr>
-              <a:t> </a:t>
-            </a:r>
-            <a:r>
-              <a:rPr lang="en-US" dirty="0">
-                <a:solidFill>
-                  <a:srgbClr val="FF0000"/>
-                </a:solidFill>
-              </a:rPr>
-              <a:t>D</a:t>
-            </a:r>
-            <a:r>
-              <a:rPr lang="en-US" dirty="0" smtClean="0">
-                <a:solidFill>
-                  <a:srgbClr val="FF0000"/>
-                </a:solidFill>
-              </a:rPr>
-              <a:t>on’t touch it.</a:t>
+              <a:t> Don’t touch it.</a:t>
             </a:r>
           </a:p>
           <a:p>
@@ -9879,7 +9733,7 @@
               <a:buAutoNum type="arabicParenR"/>
             </a:pPr>
             <a:r>
-              <a:rPr lang="en-US" dirty="0" smtClean="0"/>
+              <a:rPr lang="en-US" dirty="0"/>
               <a:t>Turn and go to the West wall.</a:t>
             </a:r>
           </a:p>
@@ -9888,7 +9742,7 @@
               <a:buAutoNum type="arabicParenR"/>
             </a:pPr>
             <a:r>
-              <a:rPr lang="en-US" dirty="0" smtClean="0"/>
+              <a:rPr lang="en-US" dirty="0"/>
               <a:t>Turn and head to the END!</a:t>
             </a:r>
           </a:p>
@@ -9900,10 +9754,9 @@
           </a:p>
           <a:p>
             <a:r>
-              <a:rPr lang="en-US" dirty="0" smtClean="0"/>
+              <a:rPr lang="en-US" dirty="0"/>
               <a:t>USE 2-3 SENSORS!</a:t>
             </a:r>
-            <a:endParaRPr lang="en-US" dirty="0"/>
           </a:p>
         </p:txBody>
       </p:sp>
@@ -10349,7 +10202,7 @@
           <a:noFill/>
           <a:extLst>
             <a:ext uri="{909E8E84-426E-40dd-AFC4-6F175D3DCCD1}">
-              <a14:hiddenFill xmlns="" xmlns:a14="http://schemas.microsoft.com/office/drawing/2010/main">
+              <a14:hiddenFill xmlns:a14="http://schemas.microsoft.com/office/drawing/2010/main" xmlns="">
                 <a:solidFill>
                   <a:srgbClr val="FFFFFF"/>
                 </a:solidFill>
@@ -10404,13 +10257,6 @@
   <p:clrMapOvr>
     <a:masterClrMapping/>
   </p:clrMapOvr>
-  <p:timing>
-    <p:tnLst>
-      <p:par>
-        <p:cTn id="1" dur="indefinite" restart="never" nodeType="tmRoot"/>
-      </p:par>
-    </p:tnLst>
-  </p:timing>
 </p:sld>
 </file>
 
@@ -10447,10 +10293,9 @@
           <a:lstStyle/>
           <a:p>
             <a:r>
-              <a:rPr lang="en-US" dirty="0" smtClean="0"/>
+              <a:rPr lang="en-US" dirty="0"/>
               <a:t>STOP ON THE LINE</a:t>
             </a:r>
-            <a:endParaRPr lang="en-US" dirty="0"/>
           </a:p>
         </p:txBody>
       </p:sp>
@@ -10477,37 +10322,32 @@
           <a:lstStyle/>
           <a:p>
             <a:r>
-              <a:rPr lang="en-US" dirty="0" smtClean="0"/>
+              <a:rPr lang="en-US" dirty="0"/>
               <a:t>Program your robot to move forward and then stop exactly at the 3</a:t>
             </a:r>
             <a:r>
-              <a:rPr lang="en-US" baseline="30000" dirty="0" smtClean="0"/>
+              <a:rPr lang="en-US" baseline="30000" dirty="0"/>
               <a:t>rd</a:t>
             </a:r>
             <a:r>
-              <a:rPr lang="en-US" dirty="0" smtClean="0"/>
+              <a:rPr lang="en-US" dirty="0"/>
               <a:t> line.</a:t>
             </a:r>
           </a:p>
           <a:p>
             <a:r>
-              <a:rPr lang="en-US" dirty="0" smtClean="0"/>
+              <a:rPr lang="en-US" dirty="0"/>
               <a:t>You must use a loop and a sensor!</a:t>
             </a:r>
           </a:p>
           <a:p>
-            <a:r>
-              <a:rPr lang="en-US" dirty="0"/>
-              <a:t/>
-            </a:r>
             <a:br>
               <a:rPr lang="en-US" dirty="0"/>
             </a:br>
             <a:r>
-              <a:rPr lang="en-US" dirty="0" smtClean="0"/>
+              <a:rPr lang="en-US" dirty="0"/>
               <a:t>What sensor will you use?</a:t>
             </a:r>
-            <a:endParaRPr lang="en-US" dirty="0"/>
           </a:p>
         </p:txBody>
       </p:sp>
@@ -10527,7 +10367,7 @@
           <a:lstStyle/>
           <a:p>
             <a:r>
-              <a:rPr lang="en-US" smtClean="0"/>
+              <a:rPr lang="en-US"/>
               <a:t>© EV3Lessons.com, 2016, (Last edit: 7/04/2016)</a:t>
             </a:r>
             <a:endParaRPr lang="en-US" dirty="0"/>
@@ -10828,10 +10668,9 @@
           <a:lstStyle/>
           <a:p>
             <a:r>
-              <a:rPr lang="en-US" dirty="0" smtClean="0"/>
+              <a:rPr lang="en-US" dirty="0"/>
               <a:t>CREDITS</a:t>
             </a:r>
-            <a:endParaRPr lang="en-US" dirty="0"/>
           </a:p>
         </p:txBody>
       </p:sp>
@@ -10862,14 +10701,14 @@
               <a:buChar char="•"/>
             </a:pPr>
             <a:r>
-              <a:rPr lang="en-US" sz="1800" dirty="0" smtClean="0"/>
+              <a:rPr lang="en-US" sz="1800" dirty="0"/>
               <a:t>This tutorial was created by Sanjay Seshan and Arvind </a:t>
             </a:r>
             <a:r>
-              <a:rPr lang="en-US" sz="1800" dirty="0" err="1" smtClean="0"/>
+              <a:rPr lang="en-US" sz="1800" dirty="0" err="1"/>
               <a:t>Seshan</a:t>
             </a:r>
-            <a:endParaRPr lang="en-US" sz="1800" dirty="0" smtClean="0"/>
+            <a:endParaRPr lang="en-US" sz="1800" dirty="0"/>
           </a:p>
           <a:p>
             <a:pPr marL="342900" indent="-342900">
@@ -10877,17 +10716,13 @@
               <a:buChar char="•"/>
             </a:pPr>
             <a:r>
-              <a:rPr lang="en-US" sz="1800" dirty="0" smtClean="0"/>
+              <a:rPr lang="en-US" sz="1800" dirty="0"/>
               <a:t>More lessons are available at www.ev3lessons.com</a:t>
-            </a:r>
-            <a:r>
-              <a:rPr lang="en-US" sz="1800" b="0" dirty="0"/>
-              <a:t/>
             </a:r>
             <a:br>
               <a:rPr lang="en-US" sz="1800" b="0" dirty="0"/>
             </a:br>
-            <a:endParaRPr lang="en-US" sz="1800" dirty="0" smtClean="0"/>
+            <a:endParaRPr lang="en-US" sz="1800" dirty="0"/>
           </a:p>
         </p:txBody>
       </p:sp>
@@ -10907,7 +10742,7 @@
           <a:lstStyle/>
           <a:p>
             <a:r>
-              <a:rPr lang="en-US" smtClean="0"/>
+              <a:rPr lang="en-US"/>
               <a:t>© EV3Lessons.com, 2016, (Last edit: 7/04/2016)</a:t>
             </a:r>
             <a:endParaRPr lang="en-US" dirty="0"/>
@@ -10962,7 +10797,7 @@
           <a:effectLst/>
           <a:extLst>
             <a:ext uri="{91240B29-F687-4f45-9708-019B960494DF}">
-              <a14:hiddenLine xmlns="" xmlns:a14="http://schemas.microsoft.com/office/drawing/2010/main" w="9525">
+              <a14:hiddenLine xmlns:a14="http://schemas.microsoft.com/office/drawing/2010/main" xmlns="" w="9525">
                 <a:solidFill>
                   <a:schemeClr val="tx1"/>
                 </a:solidFill>
@@ -10972,7 +10807,7 @@
               </a14:hiddenLine>
             </a:ext>
             <a:ext uri="{AF507438-7753-43e0-B8FC-AC1667EBCBE1}">
-              <a14:hiddenEffects xmlns="" xmlns:a14="http://schemas.microsoft.com/office/drawing/2010/main">
+              <a14:hiddenEffects xmlns:a14="http://schemas.microsoft.com/office/drawing/2010/main" xmlns="">
                 <a:effectLst>
                   <a:outerShdw dist="35921" dir="2700000" algn="ctr" rotWithShape="0">
                     <a:schemeClr val="bg2"/>
@@ -11135,7 +10970,7 @@
               <a:tabLst/>
             </a:pPr>
             <a:r>
-              <a:rPr kumimoji="0" lang="en-US" altLang="en-US" sz="2000" b="0" i="0" u="none" strike="noStrike" cap="none" normalizeH="0" baseline="0" dirty="0" smtClean="0">
+              <a:rPr kumimoji="0" lang="en-US" altLang="en-US" sz="2000" b="0" i="0" u="none" strike="noStrike" cap="none" normalizeH="0" baseline="0" dirty="0">
                 <a:ln>
                   <a:noFill/>
                 </a:ln>
@@ -11147,8 +10982,8 @@
               </a:rPr>
               <a:t>                         </a:t>
             </a:r>
-            <a:r>
-              <a:rPr kumimoji="0" lang="en-US" altLang="en-US" sz="1600" b="0" i="0" u="none" strike="noStrike" cap="none" normalizeH="0" baseline="0" dirty="0" smtClean="0">
+            <a:br>
+              <a:rPr kumimoji="0" lang="en-US" altLang="en-US" sz="1600" b="0" i="0" u="none" strike="noStrike" cap="none" normalizeH="0" baseline="0" dirty="0">
                 <a:ln>
                   <a:noFill/>
                 </a:ln>
@@ -11157,21 +10992,9 @@
                 </a:solidFill>
                 <a:effectLst/>
               </a:rPr>
-              <a:t/>
-            </a:r>
-            <a:br>
-              <a:rPr kumimoji="0" lang="en-US" altLang="en-US" sz="1600" b="0" i="0" u="none" strike="noStrike" cap="none" normalizeH="0" baseline="0" dirty="0" smtClean="0">
-                <a:ln>
-                  <a:noFill/>
-                </a:ln>
-                <a:solidFill>
-                  <a:schemeClr val="tx1"/>
-                </a:solidFill>
-                <a:effectLst/>
-              </a:rPr>
             </a:br>
             <a:r>
-              <a:rPr kumimoji="0" lang="en-US" altLang="en-US" sz="2000" b="0" i="0" u="none" strike="noStrike" cap="none" normalizeH="0" baseline="0" dirty="0" smtClean="0">
+              <a:rPr kumimoji="0" lang="en-US" altLang="en-US" sz="2000" b="0" i="0" u="none" strike="noStrike" cap="none" normalizeH="0" baseline="0" dirty="0">
                 <a:ln>
                   <a:noFill/>
                 </a:ln>
@@ -11184,7 +11007,7 @@
               <a:t>This work is licensed under a </a:t>
             </a:r>
             <a:r>
-              <a:rPr kumimoji="0" lang="en-US" altLang="en-US" sz="2000" b="0" i="0" u="none" strike="noStrike" cap="none" normalizeH="0" baseline="0" dirty="0" smtClean="0">
+              <a:rPr kumimoji="0" lang="en-US" altLang="en-US" sz="2000" b="0" i="0" u="none" strike="noStrike" cap="none" normalizeH="0" baseline="0" dirty="0">
                 <a:ln>
                   <a:noFill/>
                 </a:ln>
@@ -11198,7 +11021,7 @@
               <a:t>Creative Commons Attribution-</a:t>
             </a:r>
             <a:r>
-              <a:rPr kumimoji="0" lang="en-US" altLang="en-US" sz="2000" b="0" i="0" u="none" strike="noStrike" cap="none" normalizeH="0" baseline="0" dirty="0" err="1" smtClean="0">
+              <a:rPr kumimoji="0" lang="en-US" altLang="en-US" sz="2000" b="0" i="0" u="none" strike="noStrike" cap="none" normalizeH="0" baseline="0" dirty="0" err="1">
                 <a:ln>
                   <a:noFill/>
                 </a:ln>
@@ -11212,7 +11035,7 @@
               <a:t>NonCommercial</a:t>
             </a:r>
             <a:r>
-              <a:rPr kumimoji="0" lang="en-US" altLang="en-US" sz="2000" b="0" i="0" u="none" strike="noStrike" cap="none" normalizeH="0" baseline="0" dirty="0" smtClean="0">
+              <a:rPr kumimoji="0" lang="en-US" altLang="en-US" sz="2000" b="0" i="0" u="none" strike="noStrike" cap="none" normalizeH="0" baseline="0" dirty="0">
                 <a:ln>
                   <a:noFill/>
                 </a:ln>
@@ -11226,7 +11049,7 @@
               <a:t>-</a:t>
             </a:r>
             <a:r>
-              <a:rPr kumimoji="0" lang="en-US" altLang="en-US" sz="2000" b="0" i="0" u="none" strike="noStrike" cap="none" normalizeH="0" baseline="0" dirty="0" err="1" smtClean="0">
+              <a:rPr kumimoji="0" lang="en-US" altLang="en-US" sz="2000" b="0" i="0" u="none" strike="noStrike" cap="none" normalizeH="0" baseline="0" dirty="0" err="1">
                 <a:ln>
                   <a:noFill/>
                 </a:ln>
@@ -11240,7 +11063,7 @@
               <a:t>ShareAlike</a:t>
             </a:r>
             <a:r>
-              <a:rPr kumimoji="0" lang="en-US" altLang="en-US" sz="2000" b="0" i="0" u="none" strike="noStrike" cap="none" normalizeH="0" baseline="0" dirty="0" smtClean="0">
+              <a:rPr kumimoji="0" lang="en-US" altLang="en-US" sz="2000" b="0" i="0" u="none" strike="noStrike" cap="none" normalizeH="0" baseline="0" dirty="0">
                 <a:ln>
                   <a:noFill/>
                 </a:ln>
@@ -11254,7 +11077,7 @@
               <a:t> 4.0 International License</a:t>
             </a:r>
             <a:r>
-              <a:rPr kumimoji="0" lang="en-US" altLang="en-US" sz="2000" b="0" i="0" u="none" strike="noStrike" cap="none" normalizeH="0" baseline="0" dirty="0" smtClean="0">
+              <a:rPr kumimoji="0" lang="en-US" altLang="en-US" sz="2000" b="0" i="0" u="none" strike="noStrike" cap="none" normalizeH="0" baseline="0" dirty="0">
                 <a:ln>
                   <a:noFill/>
                 </a:ln>
@@ -11267,7 +11090,7 @@
               <a:t>.</a:t>
             </a:r>
             <a:r>
-              <a:rPr kumimoji="0" lang="en-US" altLang="en-US" sz="1600" b="0" i="0" u="none" strike="noStrike" cap="none" normalizeH="0" baseline="0" dirty="0" smtClean="0">
+              <a:rPr kumimoji="0" lang="en-US" altLang="en-US" sz="1600" b="0" i="0" u="none" strike="noStrike" cap="none" normalizeH="0" baseline="0" dirty="0">
                 <a:ln>
                   <a:noFill/>
                 </a:ln>
@@ -11278,7 +11101,7 @@
               </a:rPr>
               <a:t> </a:t>
             </a:r>
-            <a:endParaRPr kumimoji="0" lang="en-US" altLang="en-US" sz="2000" b="0" i="0" u="none" strike="noStrike" cap="none" normalizeH="0" baseline="0" dirty="0" smtClean="0">
+            <a:endParaRPr kumimoji="0" lang="en-US" altLang="en-US" sz="2000" b="0" i="0" u="none" strike="noStrike" cap="none" normalizeH="0" baseline="0" dirty="0">
               <a:ln>
                 <a:noFill/>
               </a:ln>
@@ -11325,7 +11148,7 @@
           <a:noFill/>
           <a:extLst>
             <a:ext uri="{909E8E84-426E-40dd-AFC4-6F175D3DCCD1}">
-              <a14:hiddenFill xmlns="" xmlns:a14="http://schemas.microsoft.com/office/drawing/2010/main">
+              <a14:hiddenFill xmlns:a14="http://schemas.microsoft.com/office/drawing/2010/main" xmlns="">
                 <a:solidFill>
                   <a:srgbClr val="FFFFFF"/>
                 </a:solidFill>
@@ -11344,13 +11167,6 @@
   <p:clrMapOvr>
     <a:masterClrMapping/>
   </p:clrMapOvr>
-  <p:timing>
-    <p:tnLst>
-      <p:par>
-        <p:cTn id="1" dur="indefinite" restart="never" nodeType="tmRoot"/>
-      </p:par>
-    </p:tnLst>
-  </p:timing>
 </p:sld>
 </file>
 
